--- a/06.Hook into SharePoint APIs with Android/06.Hook into SharePoint APIs with Android.pptx
+++ b/06.Hook into SharePoint APIs with Android/06.Hook into SharePoint APIs with Android.pptx
@@ -394,7 +394,7 @@
           <a:p>
             <a:fld id="{DE219B1A-AE41-483B-A766-69B9363DDA6A}" type="datetimeFigureOut">
               <a:rPr lang="en-US" smtClean="0"/>
-              <a:t>8/27/2014</a:t>
+              <a:t>10/24/2014</a:t>
             </a:fld>
             <a:endParaRPr lang="en-US"/>
           </a:p>
@@ -676,7 +676,7 @@
           <a:p>
             <a:fld id="{D51B1278-D92B-4AF3-A9C1-71DD298190CE}" type="datetimeFigureOut">
               <a:rPr lang="en-US" smtClean="0"/>
-              <a:t>8/27/2014</a:t>
+              <a:t>10/24/2014</a:t>
             </a:fld>
             <a:endParaRPr lang="en-US"/>
           </a:p>
@@ -1267,21 +1267,8 @@
             </a:r>
             <a:r>
               <a:rPr lang="en-NZ" baseline="0" dirty="0" smtClean="0"/>
-              <a:t> flow. ADAL launches this activity </a:t>
-            </a:r>
-            <a:r>
-              <a:rPr lang="en-NZ" baseline="0" dirty="0" smtClean="0"/>
-              <a:t>which allows </a:t>
-            </a:r>
-            <a:r>
-              <a:rPr lang="en-NZ" baseline="0" dirty="0" smtClean="0"/>
-              <a:t>the user to enter their </a:t>
-            </a:r>
-            <a:r>
-              <a:rPr lang="en-NZ" baseline="0" dirty="0" smtClean="0"/>
-              <a:t>credentials.</a:t>
-            </a:r>
-            <a:endParaRPr lang="en-NZ" baseline="0" dirty="0" smtClean="0"/>
+              <a:t> flow. ADAL launches this activity which allows the user to enter their credentials.</a:t>
+            </a:r>
           </a:p>
         </p:txBody>
       </p:sp>
@@ -1302,7 +1289,7 @@
           <a:p>
             <a:fld id="{B6FED557-D37C-499C-9C0F-325749C7CD38}" type="datetime1">
               <a:rPr lang="en-US" smtClean="0"/>
-              <a:t>8/27/2014</a:t>
+              <a:t>10/24/2014</a:t>
             </a:fld>
             <a:endParaRPr lang="en-US"/>
           </a:p>
@@ -1489,21 +1476,8 @@
           <a:p>
             <a:r>
               <a:rPr lang="en-NZ" baseline="0" dirty="0" smtClean="0"/>
-              <a:t>These basic code snippets </a:t>
-            </a:r>
-            <a:r>
-              <a:rPr lang="en-NZ" baseline="0" dirty="0" smtClean="0"/>
-              <a:t>must be added </a:t>
-            </a:r>
-            <a:r>
-              <a:rPr lang="en-NZ" baseline="0" dirty="0" smtClean="0"/>
-              <a:t>to your </a:t>
-            </a:r>
-            <a:r>
-              <a:rPr lang="en-NZ" baseline="0" dirty="0" smtClean="0"/>
-              <a:t>Activity class.</a:t>
-            </a:r>
-            <a:endParaRPr lang="en-NZ" baseline="0" dirty="0" smtClean="0"/>
+              <a:t>These basic code snippets must be added to your Activity class.</a:t>
+            </a:r>
           </a:p>
           <a:p>
             <a:endParaRPr lang="en-NZ" baseline="0" dirty="0" smtClean="0"/>
@@ -1515,11 +1489,7 @@
             </a:r>
             <a:r>
               <a:rPr lang="en-NZ" baseline="0" dirty="0" smtClean="0"/>
-              <a:t> is </a:t>
-            </a:r>
-            <a:r>
-              <a:rPr lang="en-NZ" baseline="0" dirty="0" smtClean="0"/>
-              <a:t>only required if you intend to call </a:t>
+              <a:t> is only required if you intend to call </a:t>
             </a:r>
             <a:r>
               <a:rPr lang="en-NZ" b="1" baseline="0" dirty="0" err="1" smtClean="0"/>
@@ -1527,11 +1497,7 @@
             </a:r>
             <a:r>
               <a:rPr lang="en-NZ" b="0" baseline="0" dirty="0" smtClean="0"/>
-              <a:t> </a:t>
-            </a:r>
-            <a:r>
-              <a:rPr lang="en-NZ" b="0" baseline="0" dirty="0" smtClean="0"/>
-              <a:t>which will automatically launch an instance </a:t>
+              <a:t> which will automatically launch an instance </a:t>
             </a:r>
             <a:r>
               <a:rPr lang="en-NZ" b="0" baseline="0" dirty="0" err="1" smtClean="0"/>
@@ -1570,7 +1536,7 @@
           <a:p>
             <a:fld id="{B6FED557-D37C-499C-9C0F-325749C7CD38}" type="datetime1">
               <a:rPr lang="en-US" smtClean="0"/>
-              <a:t>8/27/2014</a:t>
+              <a:t>10/24/2014</a:t>
             </a:fld>
             <a:endParaRPr lang="en-US"/>
           </a:p>
@@ -1936,17 +1902,7 @@
                 <a:latin typeface="Consolas" panose="020B0609020204030204" pitchFamily="49" charset="0"/>
                 <a:cs typeface="Consolas" panose="020B0609020204030204" pitchFamily="49" charset="0"/>
               </a:rPr>
-              <a:t> interface. Generally this is done using a Java Anonymous Class</a:t>
-            </a:r>
-            <a:r>
-              <a:rPr lang="en-US" altLang="en-US" sz="900" baseline="0" dirty="0" smtClean="0">
-                <a:solidFill>
-                  <a:srgbClr val="333333"/>
-                </a:solidFill>
-                <a:latin typeface="Consolas" panose="020B0609020204030204" pitchFamily="49" charset="0"/>
-                <a:cs typeface="Consolas" panose="020B0609020204030204" pitchFamily="49" charset="0"/>
-              </a:rPr>
-              <a:t>.</a:t>
+              <a:t> interface. Generally this is done using a Java Anonymous Class.</a:t>
             </a:r>
             <a:endParaRPr lang="en-US" sz="900" baseline="0" dirty="0" smtClean="0">
               <a:solidFill>
@@ -2047,7 +2003,7 @@
           <a:p>
             <a:fld id="{2B2034C5-F750-4FBF-9841-A1AFEEFA6F10}" type="datetime1">
               <a:rPr lang="en-US" smtClean="0"/>
-              <a:t>8/27/2014</a:t>
+              <a:t>10/24/2014</a:t>
             </a:fld>
             <a:endParaRPr lang="en-US"/>
           </a:p>
@@ -2294,17 +2250,7 @@
                 <a:latin typeface="Consolas" panose="020B0609020204030204" pitchFamily="49" charset="0"/>
                 <a:cs typeface="Consolas" panose="020B0609020204030204" pitchFamily="49" charset="0"/>
               </a:rPr>
-              <a:t>interface</a:t>
-            </a:r>
-            <a:r>
-              <a:rPr lang="en-US" altLang="en-US" sz="900" baseline="0" dirty="0" smtClean="0">
-                <a:solidFill>
-                  <a:srgbClr val="333333"/>
-                </a:solidFill>
-                <a:latin typeface="Consolas" panose="020B0609020204030204" pitchFamily="49" charset="0"/>
-                <a:cs typeface="Consolas" panose="020B0609020204030204" pitchFamily="49" charset="0"/>
-              </a:rPr>
-              <a:t>. Generally this is done using a Java Anonymous Class.</a:t>
+              <a:t>interface. Generally this is done using a Java Anonymous Class.</a:t>
             </a:r>
           </a:p>
           <a:p>
@@ -2453,7 +2399,7 @@
           <a:p>
             <a:fld id="{ED01BC21-B45E-4DB8-B198-116F9F09FF91}" type="datetime1">
               <a:rPr lang="en-US" smtClean="0"/>
-              <a:t>8/27/2014</a:t>
+              <a:t>10/24/2014</a:t>
             </a:fld>
             <a:endParaRPr lang="en-US"/>
           </a:p>
@@ -2763,15 +2709,7 @@
             </a:pPr>
             <a:r>
               <a:rPr lang="en-NZ" b="0" baseline="0" dirty="0" smtClean="0"/>
-              <a:t>Finally, the </a:t>
-            </a:r>
-            <a:r>
-              <a:rPr lang="en-NZ" b="0" baseline="0" dirty="0" smtClean="0"/>
-              <a:t>splash screen</a:t>
-            </a:r>
-            <a:r>
-              <a:rPr lang="en-NZ" b="0" baseline="0" dirty="0" smtClean="0"/>
-              <a:t> calls</a:t>
+              <a:t>Finally, the splash screen calls</a:t>
             </a:r>
             <a:r>
               <a:rPr lang="en-NZ" b="1" baseline="0" dirty="0" smtClean="0"/>
@@ -2802,7 +2740,7 @@
           <a:p>
             <a:fld id="{9D484EC9-EB48-47E3-BD5F-829E493398A4}" type="datetime1">
               <a:rPr lang="en-US" smtClean="0"/>
-              <a:t>8/27/2014</a:t>
+              <a:t>10/24/2014</a:t>
             </a:fld>
             <a:endParaRPr lang="en-US"/>
           </a:p>
@@ -3238,7 +3176,7 @@
           <a:p>
             <a:fld id="{3E4F3E2E-0A93-4364-8F2D-E582F8242FD7}" type="datetime1">
               <a:rPr lang="en-US" smtClean="0"/>
-              <a:t>8/27/2014</a:t>
+              <a:t>10/24/2014</a:t>
             </a:fld>
             <a:endParaRPr lang="en-US"/>
           </a:p>
@@ -3579,7 +3517,7 @@
           <a:p>
             <a:fld id="{6DFBD1BE-6A4F-4D98-BF0B-ADDB5A85FBE3}" type="datetime1">
               <a:rPr lang="en-US" smtClean="0"/>
-              <a:t>8/27/2014</a:t>
+              <a:t>10/24/2014</a:t>
             </a:fld>
             <a:endParaRPr lang="en-US"/>
           </a:p>
@@ -3835,7 +3773,7 @@
           <a:p>
             <a:fld id="{CE0ACEA9-51EA-48BD-ACDC-49CD4DB94590}" type="datetime1">
               <a:rPr lang="en-US" smtClean="0"/>
-              <a:t>8/27/2014</a:t>
+              <a:t>10/24/2014</a:t>
             </a:fld>
             <a:endParaRPr lang="en-US"/>
           </a:p>
@@ -4186,7 +4124,7 @@
           <a:p>
             <a:fld id="{BFD541D1-5773-42F1-A65A-9D0081C4724D}" type="datetime1">
               <a:rPr lang="en-US" smtClean="0"/>
-              <a:t>8/27/2014</a:t>
+              <a:t>10/24/2014</a:t>
             </a:fld>
             <a:endParaRPr lang="en-US"/>
           </a:p>
@@ -4473,7 +4411,7 @@
           <a:p>
             <a:fld id="{A3A93A8A-BC77-48F3-89B6-A1B6152FB3C2}" type="datetime1">
               <a:rPr lang="en-US" smtClean="0"/>
-              <a:t>8/27/2014</a:t>
+              <a:t>10/24/2014</a:t>
             </a:fld>
             <a:endParaRPr lang="en-US"/>
           </a:p>
@@ -4733,7 +4671,7 @@
           <a:p>
             <a:fld id="{B079C3B8-7366-4A44-A34B-3977080C19E7}" type="datetime1">
               <a:rPr lang="en-US" smtClean="0"/>
-              <a:t>8/27/2014</a:t>
+              <a:t>10/24/2014</a:t>
             </a:fld>
             <a:endParaRPr lang="en-US" dirty="0"/>
           </a:p>
@@ -4945,7 +4883,7 @@
           <a:p>
             <a:fld id="{A3A93A8A-BC77-48F3-89B6-A1B6152FB3C2}" type="datetime1">
               <a:rPr lang="en-US" smtClean="0"/>
-              <a:t>8/27/2014</a:t>
+              <a:t>10/24/2014</a:t>
             </a:fld>
             <a:endParaRPr lang="en-US"/>
           </a:p>
@@ -5223,7 +5161,7 @@
           <a:p>
             <a:fld id="{6DFBD1BE-6A4F-4D98-BF0B-ADDB5A85FBE3}" type="datetime1">
               <a:rPr lang="en-US" smtClean="0"/>
-              <a:t>8/27/2014</a:t>
+              <a:t>10/24/2014</a:t>
             </a:fld>
             <a:endParaRPr lang="en-US"/>
           </a:p>
@@ -5540,7 +5478,7 @@
           <a:p>
             <a:fld id="{0BB6559B-C68D-49B4-97AE-9BB74C417927}" type="datetime1">
               <a:rPr lang="en-US" smtClean="0"/>
-              <a:t>8/27/2014</a:t>
+              <a:t>10/24/2014</a:t>
             </a:fld>
             <a:endParaRPr lang="en-US"/>
           </a:p>
@@ -5681,7 +5619,7 @@
           <a:p>
             <a:fld id="{9931F9D6-ECE6-4F56-84CD-13AD7012A4D7}" type="datetime1">
               <a:rPr lang="en-US" smtClean="0"/>
-              <a:t>8/27/2014</a:t>
+              <a:t>10/24/2014</a:t>
             </a:fld>
             <a:endParaRPr lang="en-US"/>
           </a:p>
@@ -5904,7 +5842,7 @@
           <a:p>
             <a:fld id="{7DC82F05-31AB-49C6-9156-5C9B44D89D51}" type="datetime1">
               <a:rPr lang="en-US" smtClean="0"/>
-              <a:t>8/27/2014</a:t>
+              <a:t>10/24/2014</a:t>
             </a:fld>
             <a:endParaRPr lang="en-US"/>
           </a:p>
@@ -6118,7 +6056,7 @@
           <a:p>
             <a:fld id="{0C0A3D2A-4059-4AF6-9687-4BC3756DF78B}" type="datetime1">
               <a:rPr lang="en-US" smtClean="0"/>
-              <a:t>8/27/2014</a:t>
+              <a:t>10/24/2014</a:t>
             </a:fld>
             <a:endParaRPr lang="en-US"/>
           </a:p>
@@ -6332,7 +6270,7 @@
           <a:p>
             <a:fld id="{5D432399-0F11-451A-AAC8-D818F3C2518F}" type="datetime1">
               <a:rPr lang="en-US" smtClean="0"/>
-              <a:t>8/27/2014</a:t>
+              <a:t>10/24/2014</a:t>
             </a:fld>
             <a:endParaRPr lang="en-US"/>
           </a:p>
@@ -6546,7 +6484,7 @@
           <a:p>
             <a:fld id="{30F2C5B9-9953-4AF4-83F4-E5D65DED28DD}" type="datetime1">
               <a:rPr lang="en-US" smtClean="0"/>
-              <a:t>8/27/2014</a:t>
+              <a:t>10/24/2014</a:t>
             </a:fld>
             <a:endParaRPr lang="en-US"/>
           </a:p>
@@ -6799,7 +6737,7 @@
           <a:p>
             <a:fld id="{56F4EE20-00AB-4C16-AD2F-F0E9A42B3963}" type="datetime1">
               <a:rPr lang="en-US" smtClean="0"/>
-              <a:t>8/27/2014</a:t>
+              <a:t>10/24/2014</a:t>
             </a:fld>
             <a:endParaRPr lang="en-US"/>
           </a:p>
@@ -7005,7 +6943,7 @@
           <a:p>
             <a:fld id="{B6FED557-D37C-499C-9C0F-325749C7CD38}" type="datetime1">
               <a:rPr lang="en-US" smtClean="0"/>
-              <a:t>8/27/2014</a:t>
+              <a:t>10/24/2014</a:t>
             </a:fld>
             <a:endParaRPr lang="en-US"/>
           </a:p>
@@ -10030,12 +9968,12 @@
           <a:graphicData uri="http://schemas.openxmlformats.org/presentationml/2006/ole">
             <mc:AlternateContent xmlns:mc="http://schemas.openxmlformats.org/markup-compatibility/2006">
               <mc:Choice xmlns:v="urn:schemas-microsoft-com:vml" Requires="v">
-                <p:oleObj spid="_x0000_s3113" name="Visio" r:id="rId4" imgW="5610113" imgH="4200465" progId="Visio.Drawing.15">
+                <p:oleObj spid="_x0000_s3114" name="Visio" r:id="rId5" imgW="5610113" imgH="4200465" progId="Visio.Drawing.15">
                   <p:embed/>
                 </p:oleObj>
               </mc:Choice>
               <mc:Fallback>
-                <p:oleObj name="Visio" r:id="rId4" imgW="5610113" imgH="4200465" progId="Visio.Drawing.15">
+                <p:oleObj name="Visio" r:id="rId5" imgW="5610113" imgH="4200465" progId="Visio.Drawing.15">
                   <p:embed/>
                   <p:pic>
                     <p:nvPicPr>
@@ -10044,7 +9982,7 @@
                       <p:nvPr/>
                     </p:nvPicPr>
                     <p:blipFill>
-                      <a:blip r:embed="rId5"/>
+                      <a:blip r:embed="rId6"/>
                       <a:stretch>
                         <a:fillRect/>
                       </a:stretch>
@@ -17408,10 +17346,6 @@
           <a:bodyPr/>
           <a:lstStyle/>
           <a:p>
-            <a:r>
-              <a:rPr lang="en-US" dirty="0" smtClean="0"/>
-              <a:t>September 2014</a:t>
-            </a:r>
             <a:endParaRPr lang="en-US" dirty="0"/>
           </a:p>
         </p:txBody>
@@ -18231,11 +18165,7 @@
           <a:p>
             <a:r>
               <a:rPr lang="en-NZ" dirty="0" smtClean="0"/>
-              <a:t>Step 1: Update </a:t>
-            </a:r>
-            <a:r>
-              <a:rPr lang="en-NZ" dirty="0" smtClean="0"/>
-              <a:t>your project’s AndroidManifest.xml:</a:t>
+              <a:t>Step 1: Update your project’s AndroidManifest.xml:</a:t>
             </a:r>
           </a:p>
         </p:txBody>
@@ -19163,17 +19093,6 @@
               </a:rPr>
               <a:t>) {</a:t>
             </a:r>
-            <a:endParaRPr kumimoji="0" lang="en-US" altLang="en-US" i="0" u="none" strike="noStrike" cap="none" normalizeH="0" baseline="0" dirty="0" smtClean="0">
-              <a:ln>
-                <a:noFill/>
-              </a:ln>
-              <a:solidFill>
-                <a:schemeClr val="tx1"/>
-              </a:solidFill>
-              <a:effectLst/>
-              <a:latin typeface="Courier New" panose="02070309020205020404" pitchFamily="49" charset="0"/>
-              <a:cs typeface="Courier New" panose="02070309020205020404" pitchFamily="49" charset="0"/>
-            </a:endParaRPr>
           </a:p>
           <a:p>
             <a:pPr marL="0" marR="0" lvl="0" indent="0" algn="l" defTabSz="914400" rtl="0" eaLnBrk="0" fontAlgn="base" latinLnBrk="0" hangingPunct="0">
@@ -19715,16 +19634,7 @@
                 </a:solidFill>
                 <a:latin typeface="Courier New" panose="02070309020205020404" pitchFamily="49" charset="0"/>
               </a:rPr>
-              <a:t> </a:t>
-            </a:r>
-            <a:r>
-              <a:rPr lang="en-US" dirty="0" smtClean="0">
-                <a:solidFill>
-                  <a:srgbClr val="000000"/>
-                </a:solidFill>
-                <a:latin typeface="Courier New" panose="02070309020205020404" pitchFamily="49" charset="0"/>
-              </a:rPr>
-              <a:t>= </a:t>
+              <a:t> = </a:t>
             </a:r>
             <a:r>
               <a:rPr lang="en-US" dirty="0" smtClean="0">
@@ -19877,25 +19787,8 @@
           <a:p>
             <a:r>
               <a:rPr lang="en-NZ" dirty="0" smtClean="0"/>
-              <a:t>Step 4: Acquire </a:t>
-            </a:r>
-            <a:r>
-              <a:rPr lang="en-NZ" dirty="0" smtClean="0"/>
-              <a:t>a </a:t>
-            </a:r>
-            <a:r>
-              <a:rPr lang="en-NZ" dirty="0" smtClean="0"/>
-              <a:t>token (prompts </a:t>
-            </a:r>
-            <a:r>
-              <a:rPr lang="en-NZ" dirty="0" smtClean="0"/>
-              <a:t>the user to sign </a:t>
-            </a:r>
-            <a:r>
-              <a:rPr lang="en-NZ" dirty="0" smtClean="0"/>
-              <a:t>in)</a:t>
-            </a:r>
-            <a:endParaRPr lang="en-NZ" dirty="0" smtClean="0"/>
+              <a:t>Step 4: Acquire a token (prompts the user to sign in)</a:t>
+            </a:r>
           </a:p>
           <a:p>
             <a:endParaRPr lang="en-NZ" dirty="0"/>
@@ -20540,23 +20433,7 @@
           <a:p>
             <a:r>
               <a:rPr lang="en-NZ" dirty="0" smtClean="0"/>
-              <a:t>Using </a:t>
-            </a:r>
-            <a:r>
-              <a:rPr lang="en-NZ" dirty="0" smtClean="0"/>
-              <a:t>a </a:t>
-            </a:r>
-            <a:r>
-              <a:rPr lang="en-NZ" dirty="0" smtClean="0"/>
-              <a:t>refresh token </a:t>
-            </a:r>
-            <a:r>
-              <a:rPr lang="en-NZ" dirty="0" smtClean="0"/>
-              <a:t>is simpler </a:t>
-            </a:r>
-            <a:r>
-              <a:rPr lang="en-NZ" dirty="0" smtClean="0"/>
-              <a:t>and will not launch any UI.</a:t>
+              <a:t>Using a refresh token is simpler and will not launch any UI.</a:t>
             </a:r>
             <a:endParaRPr lang="en-NZ" dirty="0"/>
           </a:p>
@@ -20883,12 +20760,12 @@
           <a:graphicData uri="http://schemas.openxmlformats.org/presentationml/2006/ole">
             <mc:AlternateContent xmlns:mc="http://schemas.openxmlformats.org/markup-compatibility/2006">
               <mc:Choice xmlns:v="urn:schemas-microsoft-com:vml" Requires="v">
-                <p:oleObj spid="_x0000_s1098" name="Visio" r:id="rId4" imgW="6162697" imgH="4800481" progId="Visio.Drawing.15">
+                <p:oleObj spid="_x0000_s1099" name="Visio" r:id="rId5" imgW="6162697" imgH="4800481" progId="Visio.Drawing.15">
                   <p:embed/>
                 </p:oleObj>
               </mc:Choice>
               <mc:Fallback>
-                <p:oleObj name="Visio" r:id="rId4" imgW="6162697" imgH="4800481" progId="Visio.Drawing.15">
+                <p:oleObj name="Visio" r:id="rId5" imgW="6162697" imgH="4800481" progId="Visio.Drawing.15">
                   <p:embed/>
                   <p:pic>
                     <p:nvPicPr>
@@ -20897,7 +20774,7 @@
                       <p:nvPr/>
                     </p:nvPicPr>
                     <p:blipFill>
-                      <a:blip r:embed="rId5"/>
+                      <a:blip r:embed="rId6"/>
                       <a:stretch>
                         <a:fillRect/>
                       </a:stretch>
@@ -20991,7 +20868,7 @@
             <p:ph sz="quarter" idx="10"/>
             <p:extLst>
               <p:ext uri="{D42A27DB-BD31-4B8C-83A1-F6EECF244321}">
-                <p14:modId xmlns:p14="http://schemas.microsoft.com/office/powerpoint/2010/main" val="4031052214"/>
+                <p14:modId xmlns:p14="http://schemas.microsoft.com/office/powerpoint/2010/main" val="1978659899"/>
               </p:ext>
             </p:extLst>
           </p:nvPr>
@@ -21010,7 +20887,7 @@
                 <a:gridCol w="11225057">
                   <a:extLst>
                     <a:ext uri="{9D8B030D-6E8A-4147-A177-3AD203B41FA5}">
-                      <a16:colId xmlns:a16="http://schemas.microsoft.com/office/drawing/2014/main" xmlns="" val="1253488153"/>
+                      <a16:colId xmlns="" xmlns:a16="http://schemas.microsoft.com/office/drawing/2014/main" val="1253488153"/>
                     </a:ext>
                   </a:extLst>
                 </a:gridCol>
@@ -21032,7 +20909,7 @@
                 </a:tc>
                 <a:extLst>
                   <a:ext uri="{0D108BD9-81ED-4DB2-BD59-A6C34878D82A}">
-                    <a16:rowId xmlns:a16="http://schemas.microsoft.com/office/drawing/2014/main" xmlns="" val="829859176"/>
+                    <a16:rowId xmlns="" xmlns:a16="http://schemas.microsoft.com/office/drawing/2014/main" val="829859176"/>
                   </a:ext>
                 </a:extLst>
               </a:tr>
@@ -21052,7 +20929,7 @@
                 </a:tc>
                 <a:extLst>
                   <a:ext uri="{0D108BD9-81ED-4DB2-BD59-A6C34878D82A}">
-                    <a16:rowId xmlns:a16="http://schemas.microsoft.com/office/drawing/2014/main" xmlns="" val="1946132611"/>
+                    <a16:rowId xmlns="" xmlns:a16="http://schemas.microsoft.com/office/drawing/2014/main" val="1946132611"/>
                   </a:ext>
                 </a:extLst>
               </a:tr>
@@ -21089,7 +20966,7 @@
                 </a:tc>
                 <a:extLst>
                   <a:ext uri="{0D108BD9-81ED-4DB2-BD59-A6C34878D82A}">
-                    <a16:rowId xmlns:a16="http://schemas.microsoft.com/office/drawing/2014/main" xmlns="" val="3204002662"/>
+                    <a16:rowId xmlns="" xmlns:a16="http://schemas.microsoft.com/office/drawing/2014/main" val="3204002662"/>
                   </a:ext>
                 </a:extLst>
               </a:tr>
@@ -21126,7 +21003,7 @@
                 </a:tc>
                 <a:extLst>
                   <a:ext uri="{0D108BD9-81ED-4DB2-BD59-A6C34878D82A}">
-                    <a16:rowId xmlns:a16="http://schemas.microsoft.com/office/drawing/2014/main" xmlns="" val="4266278162"/>
+                    <a16:rowId xmlns="" xmlns:a16="http://schemas.microsoft.com/office/drawing/2014/main" val="4266278162"/>
                   </a:ext>
                 </a:extLst>
               </a:tr>
@@ -21159,8 +21036,17 @@
                       </a:r>
                       <a:r>
                         <a:rPr lang="en-US" sz="2400" dirty="0" smtClean="0"/>
-                        <a:t>Hooking into Office 365 and SharePoint APIs with SPAs</a:t>
+                        <a:t>Hooking into Office </a:t>
                       </a:r>
+                      <a:r>
+                        <a:rPr lang="en-US" sz="2400" smtClean="0"/>
+                        <a:t>365 </a:t>
+                      </a:r>
+                      <a:r>
+                        <a:rPr lang="en-US" sz="2400" smtClean="0"/>
+                        <a:t>APIs</a:t>
+                      </a:r>
+                      <a:endParaRPr lang="en-US" sz="2400" dirty="0" smtClean="0"/>
                     </a:p>
                   </a:txBody>
                   <a:tcPr marL="91403" marR="91403" marT="45701" marB="45701" anchor="ctr"/>
@@ -21227,15 +21113,7 @@
                       </a:r>
                       <a:r>
                         <a:rPr lang="en-US" sz="2400" b="0" baseline="0" dirty="0" smtClean="0"/>
-                        <a:t> Hooking into </a:t>
-                      </a:r>
-                      <a:r>
-                        <a:rPr lang="en-US" sz="2400" b="0" baseline="0" dirty="0" smtClean="0"/>
-                        <a:t>SharePoint </a:t>
-                      </a:r>
-                      <a:r>
-                        <a:rPr lang="en-US" sz="2400" b="0" baseline="0" dirty="0" smtClean="0"/>
-                        <a:t>APIs with Android</a:t>
+                        <a:t> Hooking into SharePoint APIs with Android</a:t>
                       </a:r>
                       <a:endParaRPr lang="en-US" sz="2400" b="0" dirty="0" smtClean="0"/>
                     </a:p>
@@ -21356,12 +21234,12 @@
           <a:graphicData uri="http://schemas.openxmlformats.org/presentationml/2006/ole">
             <mc:AlternateContent xmlns:mc="http://schemas.openxmlformats.org/markup-compatibility/2006">
               <mc:Choice xmlns:v="urn:schemas-microsoft-com:vml" Requires="v">
-                <p:oleObj spid="_x0000_s2121" name="Visio" r:id="rId4" imgW="10849087" imgH="6315214" progId="Visio.Drawing.15">
+                <p:oleObj spid="_x0000_s2122" name="Visio" r:id="rId5" imgW="10849087" imgH="6315214" progId="Visio.Drawing.15">
                   <p:embed/>
                 </p:oleObj>
               </mc:Choice>
               <mc:Fallback>
-                <p:oleObj name="Visio" r:id="rId4" imgW="10849087" imgH="6315214" progId="Visio.Drawing.15">
+                <p:oleObj name="Visio" r:id="rId5" imgW="10849087" imgH="6315214" progId="Visio.Drawing.15">
                   <p:embed/>
                   <p:pic>
                     <p:nvPicPr>
@@ -21370,7 +21248,7 @@
                       <p:nvPr/>
                     </p:nvPicPr>
                     <p:blipFill>
-                      <a:blip r:embed="rId5"/>
+                      <a:blip r:embed="rId6"/>
                       <a:stretch>
                         <a:fillRect/>
                       </a:stretch>
@@ -24823,29 +24701,13 @@
           <a:p>
             <a:r>
               <a:rPr lang="en-US" dirty="0" smtClean="0"/>
-              <a:t>O365 </a:t>
-            </a:r>
+              <a:t>O365 SharePoint for Android</a:t>
+            </a:r>
+          </a:p>
+          <a:p>
             <a:r>
               <a:rPr lang="en-US" dirty="0" smtClean="0"/>
-              <a:t>SharePoint </a:t>
-            </a:r>
-            <a:r>
-              <a:rPr lang="en-US" dirty="0" smtClean="0"/>
-              <a:t>for Android</a:t>
-            </a:r>
-          </a:p>
-          <a:p>
-            <a:r>
-              <a:rPr lang="en-US" dirty="0" smtClean="0"/>
-              <a:t>Patterns for consuming </a:t>
-            </a:r>
-            <a:r>
-              <a:rPr lang="en-US" dirty="0" smtClean="0"/>
-              <a:t>these APIs </a:t>
-            </a:r>
-            <a:r>
-              <a:rPr lang="en-US" dirty="0" smtClean="0"/>
-              <a:t>from Android</a:t>
+              <a:t>Patterns for consuming these APIs from Android</a:t>
             </a:r>
           </a:p>
         </p:txBody>
@@ -25165,11 +25027,7 @@
           <a:p>
             <a:r>
               <a:rPr lang="en-NZ" sz="3000" dirty="0" smtClean="0"/>
-              <a:t>Note: a</a:t>
-            </a:r>
-            <a:r>
-              <a:rPr lang="en-NZ" sz="3000" dirty="0" smtClean="0"/>
-              <a:t>n </a:t>
+              <a:t>Note: an </a:t>
             </a:r>
             <a:r>
               <a:rPr lang="en-NZ" sz="3000" dirty="0"/>
@@ -25480,11 +25338,7 @@
             </a:r>
             <a:r>
               <a:rPr lang="en-NZ" dirty="0" smtClean="0"/>
-              <a:t>Android 4.4.2 (API level 19</a:t>
-            </a:r>
-            <a:r>
-              <a:rPr lang="en-NZ" dirty="0" smtClean="0"/>
-              <a:t>)</a:t>
+              <a:t>Android 4.4.2 (API level 19)</a:t>
             </a:r>
             <a:endParaRPr lang="en-NZ" dirty="0"/>
           </a:p>
@@ -26764,12 +26618,6 @@
 </file>
 
 <file path=customXml/item1.xml><?xml version="1.0" encoding="utf-8"?>
-<p:properties xmlns:p="http://schemas.microsoft.com/office/2006/metadata/properties" xmlns:xsi="http://www.w3.org/2001/XMLSchema-instance" xmlns:pc="http://schemas.microsoft.com/office/infopath/2007/PartnerControls">
-  <documentManagement/>
-</p:properties>
-</file>
-
-<file path=customXml/item2.xml><?xml version="1.0" encoding="utf-8"?>
 <ct:contentTypeSchema xmlns:ct="http://schemas.microsoft.com/office/2006/metadata/contentType" xmlns:ma="http://schemas.microsoft.com/office/2006/metadata/properties/metaAttributes" ct:_="" ma:_="" ma:contentTypeName="Document" ma:contentTypeID="0x010100A2E4C90AA7333249A7DBC8CC6F49919B" ma:contentTypeVersion="1" ma:contentTypeDescription="Create a new document." ma:contentTypeScope="" ma:versionID="e7b09f0f38d7ed30c7da14951e97abcc">
   <xsd:schema xmlns:xsd="http://www.w3.org/2001/XMLSchema" xmlns:xs="http://www.w3.org/2001/XMLSchema" xmlns:p="http://schemas.microsoft.com/office/2006/metadata/properties" xmlns:ns2="5fad15d0-477e-40da-a20d-40d4ca777cbd" targetNamespace="http://schemas.microsoft.com/office/2006/metadata/properties" ma:root="true" ma:fieldsID="0cee24db179c30c5ebec40b677cadf70" ns2:_="">
     <xsd:import namespace="5fad15d0-477e-40da-a20d-40d4ca777cbd"/>
@@ -26909,6 +26757,12 @@
 </ct:contentTypeSchema>
 </file>
 
+<file path=customXml/item2.xml><?xml version="1.0" encoding="utf-8"?>
+<p:properties xmlns:p="http://schemas.microsoft.com/office/2006/metadata/properties" xmlns:xsi="http://www.w3.org/2001/XMLSchema-instance" xmlns:pc="http://schemas.microsoft.com/office/infopath/2007/PartnerControls">
+  <documentManagement/>
+</p:properties>
+</file>
+
 <file path=customXml/item3.xml><?xml version="1.0" encoding="utf-8"?>
 <?mso-contentType ?>
 <FormTemplates xmlns="http://schemas.microsoft.com/sharepoint/v3/contenttype/forms">
@@ -26919,22 +26773,6 @@
 </file>
 
 <file path=customXml/itemProps1.xml><?xml version="1.0" encoding="utf-8"?>
-<ds:datastoreItem xmlns:ds="http://schemas.openxmlformats.org/officeDocument/2006/customXml" ds:itemID="{DA593625-DB14-4FB0-B5A9-3269FA9C120B}">
-  <ds:schemaRefs>
-    <ds:schemaRef ds:uri="5fad15d0-477e-40da-a20d-40d4ca777cbd"/>
-    <ds:schemaRef ds:uri="http://purl.org/dc/dcmitype/"/>
-    <ds:schemaRef ds:uri="http://schemas.microsoft.com/office/infopath/2007/PartnerControls"/>
-    <ds:schemaRef ds:uri="http://purl.org/dc/elements/1.1/"/>
-    <ds:schemaRef ds:uri="http://schemas.microsoft.com/office/2006/metadata/properties"/>
-    <ds:schemaRef ds:uri="http://schemas.microsoft.com/office/2006/documentManagement/types"/>
-    <ds:schemaRef ds:uri="http://purl.org/dc/terms/"/>
-    <ds:schemaRef ds:uri="http://schemas.openxmlformats.org/package/2006/metadata/core-properties"/>
-    <ds:schemaRef ds:uri="http://www.w3.org/XML/1998/namespace"/>
-  </ds:schemaRefs>
-</ds:datastoreItem>
-</file>
-
-<file path=customXml/itemProps2.xml><?xml version="1.0" encoding="utf-8"?>
 <ds:datastoreItem xmlns:ds="http://schemas.openxmlformats.org/officeDocument/2006/customXml" ds:itemID="{F17DCE38-6787-497B-B958-75817420EB1E}">
   <ds:schemaRefs>
     <ds:schemaRef ds:uri="http://schemas.microsoft.com/office/2006/metadata/contentType"/>
@@ -26952,6 +26790,22 @@
 </ds:datastoreItem>
 </file>
 
+<file path=customXml/itemProps2.xml><?xml version="1.0" encoding="utf-8"?>
+<ds:datastoreItem xmlns:ds="http://schemas.openxmlformats.org/officeDocument/2006/customXml" ds:itemID="{DA593625-DB14-4FB0-B5A9-3269FA9C120B}">
+  <ds:schemaRefs>
+    <ds:schemaRef ds:uri="5fad15d0-477e-40da-a20d-40d4ca777cbd"/>
+    <ds:schemaRef ds:uri="http://purl.org/dc/dcmitype/"/>
+    <ds:schemaRef ds:uri="http://schemas.microsoft.com/office/infopath/2007/PartnerControls"/>
+    <ds:schemaRef ds:uri="http://purl.org/dc/elements/1.1/"/>
+    <ds:schemaRef ds:uri="http://schemas.microsoft.com/office/2006/metadata/properties"/>
+    <ds:schemaRef ds:uri="http://schemas.microsoft.com/office/2006/documentManagement/types"/>
+    <ds:schemaRef ds:uri="http://purl.org/dc/terms/"/>
+    <ds:schemaRef ds:uri="http://schemas.openxmlformats.org/package/2006/metadata/core-properties"/>
+    <ds:schemaRef ds:uri="http://www.w3.org/XML/1998/namespace"/>
+  </ds:schemaRefs>
+</ds:datastoreItem>
+</file>
+
 <file path=customXml/itemProps3.xml><?xml version="1.0" encoding="utf-8"?>
 <ds:datastoreItem xmlns:ds="http://schemas.openxmlformats.org/officeDocument/2006/customXml" ds:itemID="{E1E0CE18-CA03-4891-9CD8-3448778E3D53}">
   <ds:schemaRefs>
